--- a/lesson06/Data Structures Basics/Data Structures Basics.pptx
+++ b/lesson06/Data Structures Basics/Data Structures Basics.pptx
@@ -5,17 +5,20 @@
     <p:sldMasterId id="2147483648" r:id="rId1"/>
   </p:sldMasterIdLst>
   <p:notesMasterIdLst>
-    <p:notesMasterId r:id="rId10"/>
+    <p:notesMasterId r:id="rId13"/>
   </p:notesMasterIdLst>
   <p:sldIdLst>
     <p:sldId id="256" r:id="rId2"/>
-    <p:sldId id="276" r:id="rId3"/>
-    <p:sldId id="257" r:id="rId4"/>
-    <p:sldId id="278" r:id="rId5"/>
-    <p:sldId id="261" r:id="rId6"/>
-    <p:sldId id="277" r:id="rId7"/>
-    <p:sldId id="273" r:id="rId8"/>
-    <p:sldId id="259" r:id="rId9"/>
+    <p:sldId id="281" r:id="rId3"/>
+    <p:sldId id="276" r:id="rId4"/>
+    <p:sldId id="257" r:id="rId5"/>
+    <p:sldId id="278" r:id="rId6"/>
+    <p:sldId id="279" r:id="rId7"/>
+    <p:sldId id="280" r:id="rId8"/>
+    <p:sldId id="261" r:id="rId9"/>
+    <p:sldId id="277" r:id="rId10"/>
+    <p:sldId id="273" r:id="rId11"/>
+    <p:sldId id="259" r:id="rId12"/>
   </p:sldIdLst>
   <p:sldSz cx="12192000" cy="6858000"/>
   <p:notesSz cx="6858000" cy="9144000"/>
@@ -536,7 +539,7 @@
           <a:p>
             <a:fld id="{2D8B709C-82E0-4ADF-BDA3-CCA1C8B22229}" type="slidenum">
               <a:rPr lang="en-US" smtClean="0"/>
-              <a:t>3</a:t>
+              <a:t>4</a:t>
             </a:fld>
             <a:endParaRPr lang="en-US"/>
           </a:p>
@@ -3838,6 +3841,200 @@
 </p:sld>
 </file>
 
+<file path=ppt/slides/slide10.xml><?xml version="1.0" encoding="utf-8"?>
+<p:sld xmlns:a="http://schemas.openxmlformats.org/drawingml/2006/main" xmlns:r="http://schemas.openxmlformats.org/officeDocument/2006/relationships" xmlns:p="http://schemas.openxmlformats.org/presentationml/2006/main">
+  <p:cSld>
+    <p:spTree>
+      <p:nvGrpSpPr>
+        <p:cNvPr id="1" name=""/>
+        <p:cNvGrpSpPr/>
+        <p:nvPr/>
+      </p:nvGrpSpPr>
+      <p:grpSpPr>
+        <a:xfrm>
+          <a:off x="0" y="0"/>
+          <a:ext cx="0" cy="0"/>
+          <a:chOff x="0" y="0"/>
+          <a:chExt cx="0" cy="0"/>
+        </a:xfrm>
+      </p:grpSpPr>
+      <p:sp>
+        <p:nvSpPr>
+          <p:cNvPr id="5" name="Title 4">
+            <a:extLst>
+              <a:ext uri="{FF2B5EF4-FFF2-40B4-BE49-F238E27FC236}">
+                <a16:creationId xmlns:a16="http://schemas.microsoft.com/office/drawing/2014/main" id="{3B703F05-852F-AE03-891C-5F619074CC0A}"/>
+              </a:ext>
+            </a:extLst>
+          </p:cNvPr>
+          <p:cNvSpPr>
+            <a:spLocks noGrp="1"/>
+          </p:cNvSpPr>
+          <p:nvPr>
+            <p:ph type="title"/>
+          </p:nvPr>
+        </p:nvSpPr>
+        <p:spPr/>
+        <p:txBody>
+          <a:bodyPr/>
+          <a:lstStyle/>
+          <a:p>
+            <a:r>
+              <a:rPr lang="en-US" dirty="0"/>
+              <a:t>Hands-On #2</a:t>
+            </a:r>
+          </a:p>
+        </p:txBody>
+      </p:sp>
+      <p:sp>
+        <p:nvSpPr>
+          <p:cNvPr id="6" name="Content Placeholder 5">
+            <a:extLst>
+              <a:ext uri="{FF2B5EF4-FFF2-40B4-BE49-F238E27FC236}">
+                <a16:creationId xmlns:a16="http://schemas.microsoft.com/office/drawing/2014/main" id="{7CC8BCFF-F88D-9947-8910-B16FF4E68C8D}"/>
+              </a:ext>
+            </a:extLst>
+          </p:cNvPr>
+          <p:cNvSpPr>
+            <a:spLocks noGrp="1"/>
+          </p:cNvSpPr>
+          <p:nvPr>
+            <p:ph idx="1"/>
+          </p:nvPr>
+        </p:nvSpPr>
+        <p:spPr/>
+        <p:txBody>
+          <a:bodyPr/>
+          <a:lstStyle/>
+          <a:p>
+            <a:r>
+              <a:rPr lang="en-US" dirty="0"/>
+              <a:t>Work with nested lists to represent arrays</a:t>
+            </a:r>
+          </a:p>
+        </p:txBody>
+      </p:sp>
+    </p:spTree>
+    <p:extLst>
+      <p:ext uri="{BB962C8B-B14F-4D97-AF65-F5344CB8AC3E}">
+        <p14:creationId xmlns:p14="http://schemas.microsoft.com/office/powerpoint/2010/main" val="863485874"/>
+      </p:ext>
+    </p:extLst>
+  </p:cSld>
+  <p:clrMapOvr>
+    <a:masterClrMapping/>
+  </p:clrMapOvr>
+</p:sld>
+</file>
+
+<file path=ppt/slides/slide11.xml><?xml version="1.0" encoding="utf-8"?>
+<p:sld xmlns:a="http://schemas.openxmlformats.org/drawingml/2006/main" xmlns:r="http://schemas.openxmlformats.org/officeDocument/2006/relationships" xmlns:p="http://schemas.openxmlformats.org/presentationml/2006/main">
+  <p:cSld>
+    <p:spTree>
+      <p:nvGrpSpPr>
+        <p:cNvPr id="1" name=""/>
+        <p:cNvGrpSpPr/>
+        <p:nvPr/>
+      </p:nvGrpSpPr>
+      <p:grpSpPr>
+        <a:xfrm>
+          <a:off x="0" y="0"/>
+          <a:ext cx="0" cy="0"/>
+          <a:chOff x="0" y="0"/>
+          <a:chExt cx="0" cy="0"/>
+        </a:xfrm>
+      </p:grpSpPr>
+      <p:sp>
+        <p:nvSpPr>
+          <p:cNvPr id="6" name="Title 5">
+            <a:extLst>
+              <a:ext uri="{FF2B5EF4-FFF2-40B4-BE49-F238E27FC236}">
+                <a16:creationId xmlns:a16="http://schemas.microsoft.com/office/drawing/2014/main" id="{C8D62AE3-67D3-4386-F1B7-88A1EB58BB8F}"/>
+              </a:ext>
+            </a:extLst>
+          </p:cNvPr>
+          <p:cNvSpPr>
+            <a:spLocks noGrp="1"/>
+          </p:cNvSpPr>
+          <p:nvPr>
+            <p:ph type="title"/>
+          </p:nvPr>
+        </p:nvSpPr>
+        <p:spPr/>
+        <p:txBody>
+          <a:bodyPr/>
+          <a:lstStyle/>
+          <a:p>
+            <a:r>
+              <a:rPr lang="en-US" dirty="0"/>
+              <a:t>Questions?</a:t>
+            </a:r>
+          </a:p>
+        </p:txBody>
+      </p:sp>
+      <p:sp>
+        <p:nvSpPr>
+          <p:cNvPr id="7" name="Text Placeholder 6">
+            <a:extLst>
+              <a:ext uri="{FF2B5EF4-FFF2-40B4-BE49-F238E27FC236}">
+                <a16:creationId xmlns:a16="http://schemas.microsoft.com/office/drawing/2014/main" id="{1931BDCB-3189-9F3D-E16A-D6B632891826}"/>
+              </a:ext>
+            </a:extLst>
+          </p:cNvPr>
+          <p:cNvSpPr>
+            <a:spLocks noGrp="1"/>
+          </p:cNvSpPr>
+          <p:nvPr>
+            <p:ph type="body" sz="half" idx="2"/>
+          </p:nvPr>
+        </p:nvSpPr>
+        <p:spPr/>
+        <p:txBody>
+          <a:bodyPr/>
+          <a:lstStyle/>
+          <a:p>
+            <a:endParaRPr lang="en-US" dirty="0"/>
+          </a:p>
+        </p:txBody>
+      </p:sp>
+      <p:sp>
+        <p:nvSpPr>
+          <p:cNvPr id="3" name="Content Placeholder 2">
+            <a:extLst>
+              <a:ext uri="{FF2B5EF4-FFF2-40B4-BE49-F238E27FC236}">
+                <a16:creationId xmlns:a16="http://schemas.microsoft.com/office/drawing/2014/main" id="{00E38793-BF9F-C7C6-D9B3-35BB864D1853}"/>
+              </a:ext>
+            </a:extLst>
+          </p:cNvPr>
+          <p:cNvSpPr>
+            <a:spLocks noGrp="1"/>
+          </p:cNvSpPr>
+          <p:nvPr>
+            <p:ph idx="1"/>
+          </p:nvPr>
+        </p:nvSpPr>
+        <p:spPr/>
+        <p:txBody>
+          <a:bodyPr/>
+          <a:lstStyle/>
+          <a:p>
+            <a:endParaRPr lang="en-US"/>
+          </a:p>
+        </p:txBody>
+      </p:sp>
+    </p:spTree>
+    <p:extLst>
+      <p:ext uri="{BB962C8B-B14F-4D97-AF65-F5344CB8AC3E}">
+        <p14:creationId xmlns:p14="http://schemas.microsoft.com/office/powerpoint/2010/main" val="1610981608"/>
+      </p:ext>
+    </p:extLst>
+  </p:cSld>
+  <p:clrMapOvr>
+    <a:masterClrMapping/>
+  </p:clrMapOvr>
+</p:sld>
+</file>
+
 <file path=ppt/slides/slide2.xml><?xml version="1.0" encoding="utf-8"?>
 <p:sld xmlns:a="http://schemas.openxmlformats.org/drawingml/2006/main" xmlns:r="http://schemas.openxmlformats.org/officeDocument/2006/relationships" xmlns:p="http://schemas.openxmlformats.org/presentationml/2006/main">
   <p:cSld>
@@ -3860,6 +4057,89 @@
           <p:cNvPr id="2" name="Title 1">
             <a:extLst>
               <a:ext uri="{FF2B5EF4-FFF2-40B4-BE49-F238E27FC236}">
+                <a16:creationId xmlns:a16="http://schemas.microsoft.com/office/drawing/2014/main" id="{E55B5497-1C4D-AF60-6011-F2E6D4F3527B}"/>
+              </a:ext>
+            </a:extLst>
+          </p:cNvPr>
+          <p:cNvSpPr>
+            <a:spLocks noGrp="1"/>
+          </p:cNvSpPr>
+          <p:nvPr>
+            <p:ph type="title"/>
+          </p:nvPr>
+        </p:nvSpPr>
+        <p:spPr/>
+        <p:txBody>
+          <a:bodyPr/>
+          <a:lstStyle/>
+          <a:p>
+            <a:r>
+              <a:rPr lang="en-US" dirty="0"/>
+              <a:t>Function arguments</a:t>
+            </a:r>
+          </a:p>
+        </p:txBody>
+      </p:sp>
+      <p:sp>
+        <p:nvSpPr>
+          <p:cNvPr id="3" name="Content Placeholder 2">
+            <a:extLst>
+              <a:ext uri="{FF2B5EF4-FFF2-40B4-BE49-F238E27FC236}">
+                <a16:creationId xmlns:a16="http://schemas.microsoft.com/office/drawing/2014/main" id="{2595DCFA-8FFC-E96A-1A74-06B2540AF304}"/>
+              </a:ext>
+            </a:extLst>
+          </p:cNvPr>
+          <p:cNvSpPr>
+            <a:spLocks noGrp="1"/>
+          </p:cNvSpPr>
+          <p:nvPr>
+            <p:ph idx="1"/>
+          </p:nvPr>
+        </p:nvSpPr>
+        <p:spPr/>
+        <p:txBody>
+          <a:bodyPr/>
+          <a:lstStyle/>
+          <a:p>
+            <a:endParaRPr lang="en-US"/>
+          </a:p>
+        </p:txBody>
+      </p:sp>
+    </p:spTree>
+    <p:extLst>
+      <p:ext uri="{BB962C8B-B14F-4D97-AF65-F5344CB8AC3E}">
+        <p14:creationId xmlns:p14="http://schemas.microsoft.com/office/powerpoint/2010/main" val="2621707105"/>
+      </p:ext>
+    </p:extLst>
+  </p:cSld>
+  <p:clrMapOvr>
+    <a:masterClrMapping/>
+  </p:clrMapOvr>
+</p:sld>
+</file>
+
+<file path=ppt/slides/slide3.xml><?xml version="1.0" encoding="utf-8"?>
+<p:sld xmlns:a="http://schemas.openxmlformats.org/drawingml/2006/main" xmlns:r="http://schemas.openxmlformats.org/officeDocument/2006/relationships" xmlns:p="http://schemas.openxmlformats.org/presentationml/2006/main">
+  <p:cSld>
+    <p:spTree>
+      <p:nvGrpSpPr>
+        <p:cNvPr id="1" name=""/>
+        <p:cNvGrpSpPr/>
+        <p:nvPr/>
+      </p:nvGrpSpPr>
+      <p:grpSpPr>
+        <a:xfrm>
+          <a:off x="0" y="0"/>
+          <a:ext cx="0" cy="0"/>
+          <a:chOff x="0" y="0"/>
+          <a:chExt cx="0" cy="0"/>
+        </a:xfrm>
+      </p:grpSpPr>
+      <p:sp>
+        <p:nvSpPr>
+          <p:cNvPr id="2" name="Title 1">
+            <a:extLst>
+              <a:ext uri="{FF2B5EF4-FFF2-40B4-BE49-F238E27FC236}">
                 <a16:creationId xmlns:a16="http://schemas.microsoft.com/office/drawing/2014/main" id="{57EB4430-1F71-D899-34E4-0D4105CCE823}"/>
               </a:ext>
             </a:extLst>
@@ -3930,7 +4210,7 @@
 </p:sld>
 </file>
 
-<file path=ppt/slides/slide3.xml><?xml version="1.0" encoding="utf-8"?>
+<file path=ppt/slides/slide4.xml><?xml version="1.0" encoding="utf-8"?>
 <p:sld xmlns:a="http://schemas.openxmlformats.org/drawingml/2006/main" xmlns:r="http://schemas.openxmlformats.org/officeDocument/2006/relationships" xmlns:p="http://schemas.openxmlformats.org/presentationml/2006/main">
   <p:cSld>
     <p:spTree>
@@ -4062,89 +4342,6 @@
 </p:sld>
 </file>
 
-<file path=ppt/slides/slide4.xml><?xml version="1.0" encoding="utf-8"?>
-<p:sld xmlns:a="http://schemas.openxmlformats.org/drawingml/2006/main" xmlns:r="http://schemas.openxmlformats.org/officeDocument/2006/relationships" xmlns:p="http://schemas.openxmlformats.org/presentationml/2006/main">
-  <p:cSld>
-    <p:spTree>
-      <p:nvGrpSpPr>
-        <p:cNvPr id="1" name=""/>
-        <p:cNvGrpSpPr/>
-        <p:nvPr/>
-      </p:nvGrpSpPr>
-      <p:grpSpPr>
-        <a:xfrm>
-          <a:off x="0" y="0"/>
-          <a:ext cx="0" cy="0"/>
-          <a:chOff x="0" y="0"/>
-          <a:chExt cx="0" cy="0"/>
-        </a:xfrm>
-      </p:grpSpPr>
-      <p:sp>
-        <p:nvSpPr>
-          <p:cNvPr id="5" name="Title 4">
-            <a:extLst>
-              <a:ext uri="{FF2B5EF4-FFF2-40B4-BE49-F238E27FC236}">
-                <a16:creationId xmlns:a16="http://schemas.microsoft.com/office/drawing/2014/main" id="{C09D6BAA-9655-19E9-C6CF-82D4EC658E94}"/>
-              </a:ext>
-            </a:extLst>
-          </p:cNvPr>
-          <p:cNvSpPr>
-            <a:spLocks noGrp="1"/>
-          </p:cNvSpPr>
-          <p:nvPr>
-            <p:ph type="title"/>
-          </p:nvPr>
-        </p:nvSpPr>
-        <p:spPr/>
-        <p:txBody>
-          <a:bodyPr/>
-          <a:lstStyle/>
-          <a:p>
-            <a:r>
-              <a:rPr lang="en-US" dirty="0"/>
-              <a:t>Mutable vs Immutable</a:t>
-            </a:r>
-          </a:p>
-        </p:txBody>
-      </p:sp>
-      <p:sp>
-        <p:nvSpPr>
-          <p:cNvPr id="3" name="Content Placeholder 2">
-            <a:extLst>
-              <a:ext uri="{FF2B5EF4-FFF2-40B4-BE49-F238E27FC236}">
-                <a16:creationId xmlns:a16="http://schemas.microsoft.com/office/drawing/2014/main" id="{D01908DE-645D-2294-AE76-6B2A44AC9425}"/>
-              </a:ext>
-            </a:extLst>
-          </p:cNvPr>
-          <p:cNvSpPr>
-            <a:spLocks noGrp="1"/>
-          </p:cNvSpPr>
-          <p:nvPr>
-            <p:ph idx="1"/>
-          </p:nvPr>
-        </p:nvSpPr>
-        <p:spPr/>
-        <p:txBody>
-          <a:bodyPr/>
-          <a:lstStyle/>
-          <a:p>
-            <a:endParaRPr lang="en-US"/>
-          </a:p>
-        </p:txBody>
-      </p:sp>
-    </p:spTree>
-    <p:extLst>
-      <p:ext uri="{BB962C8B-B14F-4D97-AF65-F5344CB8AC3E}">
-        <p14:creationId xmlns:p14="http://schemas.microsoft.com/office/powerpoint/2010/main" val="3047554373"/>
-      </p:ext>
-    </p:extLst>
-  </p:cSld>
-  <p:clrMapOvr>
-    <a:masterClrMapping/>
-  </p:clrMapOvr>
-</p:sld>
-</file>
-
 <file path=ppt/slides/slide5.xml><?xml version="1.0" encoding="utf-8"?>
 <p:sld xmlns:a="http://schemas.openxmlformats.org/drawingml/2006/main" xmlns:r="http://schemas.openxmlformats.org/officeDocument/2006/relationships" xmlns:p="http://schemas.openxmlformats.org/presentationml/2006/main">
   <p:cSld>
@@ -4164,10 +4361,10 @@
       </p:grpSpPr>
       <p:sp>
         <p:nvSpPr>
-          <p:cNvPr id="7" name="Title 6">
-            <a:extLst>
-              <a:ext uri="{FF2B5EF4-FFF2-40B4-BE49-F238E27FC236}">
-                <a16:creationId xmlns:a16="http://schemas.microsoft.com/office/drawing/2014/main" id="{A0A79DFE-CA6D-199F-1D8F-0A25E480F345}"/>
+          <p:cNvPr id="5" name="Title 4">
+            <a:extLst>
+              <a:ext uri="{FF2B5EF4-FFF2-40B4-BE49-F238E27FC236}">
+                <a16:creationId xmlns:a16="http://schemas.microsoft.com/office/drawing/2014/main" id="{C09D6BAA-9655-19E9-C6CF-82D4EC658E94}"/>
               </a:ext>
             </a:extLst>
           </p:cNvPr>
@@ -4185,17 +4382,17 @@
           <a:p>
             <a:r>
               <a:rPr lang="en-US" dirty="0"/>
-              <a:t>Hands-On #1</a:t>
-            </a:r>
-          </a:p>
-        </p:txBody>
-      </p:sp>
-      <p:sp>
-        <p:nvSpPr>
-          <p:cNvPr id="8" name="Content Placeholder 7">
-            <a:extLst>
-              <a:ext uri="{FF2B5EF4-FFF2-40B4-BE49-F238E27FC236}">
-                <a16:creationId xmlns:a16="http://schemas.microsoft.com/office/drawing/2014/main" id="{0C8DBF7A-ABA5-7245-19D0-84C717D30964}"/>
+              <a:t>Mutable vs Immutable</a:t>
+            </a:r>
+          </a:p>
+        </p:txBody>
+      </p:sp>
+      <p:sp>
+        <p:nvSpPr>
+          <p:cNvPr id="3" name="Content Placeholder 2">
+            <a:extLst>
+              <a:ext uri="{FF2B5EF4-FFF2-40B4-BE49-F238E27FC236}">
+                <a16:creationId xmlns:a16="http://schemas.microsoft.com/office/drawing/2014/main" id="{D01908DE-645D-2294-AE76-6B2A44AC9425}"/>
               </a:ext>
             </a:extLst>
           </p:cNvPr>
@@ -4211,26 +4408,14 @@
           <a:bodyPr/>
           <a:lstStyle/>
           <a:p>
-            <a:r>
-              <a:rPr lang="en-US" dirty="0"/>
-              <a:t>Mutable and immutable structures</a:t>
-            </a:r>
-          </a:p>
-          <a:p>
-            <a:r>
-              <a:rPr lang="en-US" dirty="0"/>
-              <a:t>Working with tuples and lists</a:t>
-            </a:r>
-          </a:p>
-          <a:p>
-            <a:endParaRPr lang="en-US" dirty="0"/>
+            <a:endParaRPr lang="en-US"/>
           </a:p>
         </p:txBody>
       </p:sp>
     </p:spTree>
     <p:extLst>
       <p:ext uri="{BB962C8B-B14F-4D97-AF65-F5344CB8AC3E}">
-        <p14:creationId xmlns:p14="http://schemas.microsoft.com/office/powerpoint/2010/main" val="4018436934"/>
+        <p14:creationId xmlns:p14="http://schemas.microsoft.com/office/powerpoint/2010/main" val="3047554373"/>
       </p:ext>
     </p:extLst>
   </p:cSld>
@@ -4262,7 +4447,7 @@
           <p:cNvPr id="2" name="Title 1">
             <a:extLst>
               <a:ext uri="{FF2B5EF4-FFF2-40B4-BE49-F238E27FC236}">
-                <a16:creationId xmlns:a16="http://schemas.microsoft.com/office/drawing/2014/main" id="{3469CDD8-6080-6002-43DF-A45AE5E3FD8C}"/>
+                <a16:creationId xmlns:a16="http://schemas.microsoft.com/office/drawing/2014/main" id="{0D54D348-CAAF-3773-6861-C22AEF86462B}"/>
               </a:ext>
             </a:extLst>
           </p:cNvPr>
@@ -4280,17 +4465,17 @@
           <a:p>
             <a:r>
               <a:rPr lang="en-US" dirty="0"/>
-              <a:t>Nested lists</a:t>
-            </a:r>
-          </a:p>
-        </p:txBody>
-      </p:sp>
-      <p:sp>
-        <p:nvSpPr>
-          <p:cNvPr id="4" name="Content Placeholder 3">
-            <a:extLst>
-              <a:ext uri="{FF2B5EF4-FFF2-40B4-BE49-F238E27FC236}">
-                <a16:creationId xmlns:a16="http://schemas.microsoft.com/office/drawing/2014/main" id="{EEE71DC7-B92B-B027-F735-C19C85ED6AAC}"/>
+              <a:t>Initializing Tuples and Lists</a:t>
+            </a:r>
+          </a:p>
+        </p:txBody>
+      </p:sp>
+      <p:sp>
+        <p:nvSpPr>
+          <p:cNvPr id="3" name="Content Placeholder 2">
+            <a:extLst>
+              <a:ext uri="{FF2B5EF4-FFF2-40B4-BE49-F238E27FC236}">
+                <a16:creationId xmlns:a16="http://schemas.microsoft.com/office/drawing/2014/main" id="{34761350-BD6A-A7C1-4E69-0AC23AD4525C}"/>
               </a:ext>
             </a:extLst>
           </p:cNvPr>
@@ -4306,14 +4491,14 @@
           <a:bodyPr/>
           <a:lstStyle/>
           <a:p>
-            <a:endParaRPr lang="en-US" dirty="0"/>
+            <a:endParaRPr lang="en-US"/>
           </a:p>
         </p:txBody>
       </p:sp>
     </p:spTree>
     <p:extLst>
       <p:ext uri="{BB962C8B-B14F-4D97-AF65-F5344CB8AC3E}">
-        <p14:creationId xmlns:p14="http://schemas.microsoft.com/office/powerpoint/2010/main" val="2862347507"/>
+        <p14:creationId xmlns:p14="http://schemas.microsoft.com/office/powerpoint/2010/main" val="3731398127"/>
       </p:ext>
     </p:extLst>
   </p:cSld>
@@ -4342,10 +4527,10 @@
       </p:grpSpPr>
       <p:sp>
         <p:nvSpPr>
-          <p:cNvPr id="5" name="Title 4">
-            <a:extLst>
-              <a:ext uri="{FF2B5EF4-FFF2-40B4-BE49-F238E27FC236}">
-                <a16:creationId xmlns:a16="http://schemas.microsoft.com/office/drawing/2014/main" id="{3B703F05-852F-AE03-891C-5F619074CC0A}"/>
+          <p:cNvPr id="2" name="Title 1">
+            <a:extLst>
+              <a:ext uri="{FF2B5EF4-FFF2-40B4-BE49-F238E27FC236}">
+                <a16:creationId xmlns:a16="http://schemas.microsoft.com/office/drawing/2014/main" id="{6D975B9B-792C-0491-2A64-05D2E2B19FD7}"/>
               </a:ext>
             </a:extLst>
           </p:cNvPr>
@@ -4363,17 +4548,17 @@
           <a:p>
             <a:r>
               <a:rPr lang="en-US" dirty="0"/>
-              <a:t>Hands-On #2</a:t>
-            </a:r>
-          </a:p>
-        </p:txBody>
-      </p:sp>
-      <p:sp>
-        <p:nvSpPr>
-          <p:cNvPr id="6" name="Content Placeholder 5">
-            <a:extLst>
-              <a:ext uri="{FF2B5EF4-FFF2-40B4-BE49-F238E27FC236}">
-                <a16:creationId xmlns:a16="http://schemas.microsoft.com/office/drawing/2014/main" id="{7CC8BCFF-F88D-9947-8910-B16FF4E68C8D}"/>
+              <a:t>Copying Tuples and Lists</a:t>
+            </a:r>
+          </a:p>
+        </p:txBody>
+      </p:sp>
+      <p:sp>
+        <p:nvSpPr>
+          <p:cNvPr id="3" name="Content Placeholder 2">
+            <a:extLst>
+              <a:ext uri="{FF2B5EF4-FFF2-40B4-BE49-F238E27FC236}">
+                <a16:creationId xmlns:a16="http://schemas.microsoft.com/office/drawing/2014/main" id="{B1C0AC58-E6F8-EE07-2734-5B987026B201}"/>
               </a:ext>
             </a:extLst>
           </p:cNvPr>
@@ -4389,17 +4574,14 @@
           <a:bodyPr/>
           <a:lstStyle/>
           <a:p>
-            <a:r>
-              <a:rPr lang="en-US" dirty="0"/>
-              <a:t>Work with nested lists to represent arrays</a:t>
-            </a:r>
+            <a:endParaRPr lang="en-US"/>
           </a:p>
         </p:txBody>
       </p:sp>
     </p:spTree>
     <p:extLst>
       <p:ext uri="{BB962C8B-B14F-4D97-AF65-F5344CB8AC3E}">
-        <p14:creationId xmlns:p14="http://schemas.microsoft.com/office/powerpoint/2010/main" val="863485874"/>
+        <p14:creationId xmlns:p14="http://schemas.microsoft.com/office/powerpoint/2010/main" val="2665607464"/>
       </p:ext>
     </p:extLst>
   </p:cSld>
@@ -4428,10 +4610,10 @@
       </p:grpSpPr>
       <p:sp>
         <p:nvSpPr>
-          <p:cNvPr id="6" name="Title 5">
-            <a:extLst>
-              <a:ext uri="{FF2B5EF4-FFF2-40B4-BE49-F238E27FC236}">
-                <a16:creationId xmlns:a16="http://schemas.microsoft.com/office/drawing/2014/main" id="{C8D62AE3-67D3-4386-F1B7-88A1EB58BB8F}"/>
+          <p:cNvPr id="7" name="Title 6">
+            <a:extLst>
+              <a:ext uri="{FF2B5EF4-FFF2-40B4-BE49-F238E27FC236}">
+                <a16:creationId xmlns:a16="http://schemas.microsoft.com/office/drawing/2014/main" id="{A0A79DFE-CA6D-199F-1D8F-0A25E480F345}"/>
               </a:ext>
             </a:extLst>
           </p:cNvPr>
@@ -4449,65 +4631,135 @@
           <a:p>
             <a:r>
               <a:rPr lang="en-US" dirty="0"/>
-              <a:t>Questions?</a:t>
-            </a:r>
-          </a:p>
-        </p:txBody>
-      </p:sp>
-      <p:sp>
-        <p:nvSpPr>
-          <p:cNvPr id="7" name="Text Placeholder 6">
-            <a:extLst>
-              <a:ext uri="{FF2B5EF4-FFF2-40B4-BE49-F238E27FC236}">
-                <a16:creationId xmlns:a16="http://schemas.microsoft.com/office/drawing/2014/main" id="{1931BDCB-3189-9F3D-E16A-D6B632891826}"/>
-              </a:ext>
-            </a:extLst>
-          </p:cNvPr>
-          <p:cNvSpPr>
-            <a:spLocks noGrp="1"/>
-          </p:cNvSpPr>
-          <p:nvPr>
-            <p:ph type="body" sz="half" idx="2"/>
-          </p:nvPr>
-        </p:nvSpPr>
-        <p:spPr/>
-        <p:txBody>
-          <a:bodyPr/>
-          <a:lstStyle/>
+              <a:t>Hands-On #1</a:t>
+            </a:r>
+          </a:p>
+        </p:txBody>
+      </p:sp>
+      <p:sp>
+        <p:nvSpPr>
+          <p:cNvPr id="8" name="Content Placeholder 7">
+            <a:extLst>
+              <a:ext uri="{FF2B5EF4-FFF2-40B4-BE49-F238E27FC236}">
+                <a16:creationId xmlns:a16="http://schemas.microsoft.com/office/drawing/2014/main" id="{0C8DBF7A-ABA5-7245-19D0-84C717D30964}"/>
+              </a:ext>
+            </a:extLst>
+          </p:cNvPr>
+          <p:cNvSpPr>
+            <a:spLocks noGrp="1"/>
+          </p:cNvSpPr>
+          <p:nvPr>
+            <p:ph idx="1"/>
+          </p:nvPr>
+        </p:nvSpPr>
+        <p:spPr/>
+        <p:txBody>
+          <a:bodyPr/>
+          <a:lstStyle/>
+          <a:p>
+            <a:r>
+              <a:rPr lang="en-US" dirty="0"/>
+              <a:t>Mutable and immutable structures</a:t>
+            </a:r>
+          </a:p>
+          <a:p>
+            <a:r>
+              <a:rPr lang="en-US" dirty="0"/>
+              <a:t>Working with tuples and lists</a:t>
+            </a:r>
+          </a:p>
           <a:p>
             <a:endParaRPr lang="en-US" dirty="0"/>
-          </a:p>
-        </p:txBody>
-      </p:sp>
-      <p:sp>
-        <p:nvSpPr>
-          <p:cNvPr id="3" name="Content Placeholder 2">
-            <a:extLst>
-              <a:ext uri="{FF2B5EF4-FFF2-40B4-BE49-F238E27FC236}">
-                <a16:creationId xmlns:a16="http://schemas.microsoft.com/office/drawing/2014/main" id="{00E38793-BF9F-C7C6-D9B3-35BB864D1853}"/>
-              </a:ext>
-            </a:extLst>
-          </p:cNvPr>
-          <p:cNvSpPr>
-            <a:spLocks noGrp="1"/>
-          </p:cNvSpPr>
-          <p:nvPr>
-            <p:ph idx="1"/>
-          </p:nvPr>
-        </p:nvSpPr>
-        <p:spPr/>
-        <p:txBody>
-          <a:bodyPr/>
-          <a:lstStyle/>
-          <a:p>
-            <a:endParaRPr lang="en-US"/>
           </a:p>
         </p:txBody>
       </p:sp>
     </p:spTree>
     <p:extLst>
       <p:ext uri="{BB962C8B-B14F-4D97-AF65-F5344CB8AC3E}">
-        <p14:creationId xmlns:p14="http://schemas.microsoft.com/office/powerpoint/2010/main" val="1610981608"/>
+        <p14:creationId xmlns:p14="http://schemas.microsoft.com/office/powerpoint/2010/main" val="4018436934"/>
+      </p:ext>
+    </p:extLst>
+  </p:cSld>
+  <p:clrMapOvr>
+    <a:masterClrMapping/>
+  </p:clrMapOvr>
+</p:sld>
+</file>
+
+<file path=ppt/slides/slide9.xml><?xml version="1.0" encoding="utf-8"?>
+<p:sld xmlns:a="http://schemas.openxmlformats.org/drawingml/2006/main" xmlns:r="http://schemas.openxmlformats.org/officeDocument/2006/relationships" xmlns:p="http://schemas.openxmlformats.org/presentationml/2006/main">
+  <p:cSld>
+    <p:spTree>
+      <p:nvGrpSpPr>
+        <p:cNvPr id="1" name=""/>
+        <p:cNvGrpSpPr/>
+        <p:nvPr/>
+      </p:nvGrpSpPr>
+      <p:grpSpPr>
+        <a:xfrm>
+          <a:off x="0" y="0"/>
+          <a:ext cx="0" cy="0"/>
+          <a:chOff x="0" y="0"/>
+          <a:chExt cx="0" cy="0"/>
+        </a:xfrm>
+      </p:grpSpPr>
+      <p:sp>
+        <p:nvSpPr>
+          <p:cNvPr id="2" name="Title 1">
+            <a:extLst>
+              <a:ext uri="{FF2B5EF4-FFF2-40B4-BE49-F238E27FC236}">
+                <a16:creationId xmlns:a16="http://schemas.microsoft.com/office/drawing/2014/main" id="{3469CDD8-6080-6002-43DF-A45AE5E3FD8C}"/>
+              </a:ext>
+            </a:extLst>
+          </p:cNvPr>
+          <p:cNvSpPr>
+            <a:spLocks noGrp="1"/>
+          </p:cNvSpPr>
+          <p:nvPr>
+            <p:ph type="title"/>
+          </p:nvPr>
+        </p:nvSpPr>
+        <p:spPr/>
+        <p:txBody>
+          <a:bodyPr/>
+          <a:lstStyle/>
+          <a:p>
+            <a:r>
+              <a:rPr lang="en-US" dirty="0"/>
+              <a:t>Nested lists</a:t>
+            </a:r>
+          </a:p>
+        </p:txBody>
+      </p:sp>
+      <p:sp>
+        <p:nvSpPr>
+          <p:cNvPr id="4" name="Content Placeholder 3">
+            <a:extLst>
+              <a:ext uri="{FF2B5EF4-FFF2-40B4-BE49-F238E27FC236}">
+                <a16:creationId xmlns:a16="http://schemas.microsoft.com/office/drawing/2014/main" id="{EEE71DC7-B92B-B027-F735-C19C85ED6AAC}"/>
+              </a:ext>
+            </a:extLst>
+          </p:cNvPr>
+          <p:cNvSpPr>
+            <a:spLocks noGrp="1"/>
+          </p:cNvSpPr>
+          <p:nvPr>
+            <p:ph idx="1"/>
+          </p:nvPr>
+        </p:nvSpPr>
+        <p:spPr/>
+        <p:txBody>
+          <a:bodyPr/>
+          <a:lstStyle/>
+          <a:p>
+            <a:endParaRPr lang="en-US" dirty="0"/>
+          </a:p>
+        </p:txBody>
+      </p:sp>
+    </p:spTree>
+    <p:extLst>
+      <p:ext uri="{BB962C8B-B14F-4D97-AF65-F5344CB8AC3E}">
+        <p14:creationId xmlns:p14="http://schemas.microsoft.com/office/powerpoint/2010/main" val="2862347507"/>
       </p:ext>
     </p:extLst>
   </p:cSld>
